--- a/Instructions_Pictures/Dichotic/Female/D1Binstructions (1).pptx
+++ b/Instructions_Pictures/Dichotic/Female/D1Binstructions (1).pptx
@@ -249,7 +249,7 @@
           <a:p>
             <a:fld id="{4476BBAF-3BF1-4078-A5DF-44D473DCBE61}" type="datetimeFigureOut">
               <a:rPr lang="he-IL" smtClean="0"/>
-              <a:t>ד'/אלול/תשפ"א</a:t>
+              <a:t>כ"ב/תשרי/תשפ"ב</a:t>
             </a:fld>
             <a:endParaRPr lang="he-IL"/>
           </a:p>
@@ -419,7 +419,7 @@
           <a:p>
             <a:fld id="{4476BBAF-3BF1-4078-A5DF-44D473DCBE61}" type="datetimeFigureOut">
               <a:rPr lang="he-IL" smtClean="0"/>
-              <a:t>ד'/אלול/תשפ"א</a:t>
+              <a:t>כ"ב/תשרי/תשפ"ב</a:t>
             </a:fld>
             <a:endParaRPr lang="he-IL"/>
           </a:p>
@@ -599,7 +599,7 @@
           <a:p>
             <a:fld id="{4476BBAF-3BF1-4078-A5DF-44D473DCBE61}" type="datetimeFigureOut">
               <a:rPr lang="he-IL" smtClean="0"/>
-              <a:t>ד'/אלול/תשפ"א</a:t>
+              <a:t>כ"ב/תשרי/תשפ"ב</a:t>
             </a:fld>
             <a:endParaRPr lang="he-IL"/>
           </a:p>
@@ -769,7 +769,7 @@
           <a:p>
             <a:fld id="{4476BBAF-3BF1-4078-A5DF-44D473DCBE61}" type="datetimeFigureOut">
               <a:rPr lang="he-IL" smtClean="0"/>
-              <a:t>ד'/אלול/תשפ"א</a:t>
+              <a:t>כ"ב/תשרי/תשפ"ב</a:t>
             </a:fld>
             <a:endParaRPr lang="he-IL"/>
           </a:p>
@@ -1015,7 +1015,7 @@
           <a:p>
             <a:fld id="{4476BBAF-3BF1-4078-A5DF-44D473DCBE61}" type="datetimeFigureOut">
               <a:rPr lang="he-IL" smtClean="0"/>
-              <a:t>ד'/אלול/תשפ"א</a:t>
+              <a:t>כ"ב/תשרי/תשפ"ב</a:t>
             </a:fld>
             <a:endParaRPr lang="he-IL"/>
           </a:p>
@@ -1247,7 +1247,7 @@
           <a:p>
             <a:fld id="{4476BBAF-3BF1-4078-A5DF-44D473DCBE61}" type="datetimeFigureOut">
               <a:rPr lang="he-IL" smtClean="0"/>
-              <a:t>ד'/אלול/תשפ"א</a:t>
+              <a:t>כ"ב/תשרי/תשפ"ב</a:t>
             </a:fld>
             <a:endParaRPr lang="he-IL"/>
           </a:p>
@@ -1614,7 +1614,7 @@
           <a:p>
             <a:fld id="{4476BBAF-3BF1-4078-A5DF-44D473DCBE61}" type="datetimeFigureOut">
               <a:rPr lang="he-IL" smtClean="0"/>
-              <a:t>ד'/אלול/תשפ"א</a:t>
+              <a:t>כ"ב/תשרי/תשפ"ב</a:t>
             </a:fld>
             <a:endParaRPr lang="he-IL"/>
           </a:p>
@@ -1732,7 +1732,7 @@
           <a:p>
             <a:fld id="{4476BBAF-3BF1-4078-A5DF-44D473DCBE61}" type="datetimeFigureOut">
               <a:rPr lang="he-IL" smtClean="0"/>
-              <a:t>ד'/אלול/תשפ"א</a:t>
+              <a:t>כ"ב/תשרי/תשפ"ב</a:t>
             </a:fld>
             <a:endParaRPr lang="he-IL"/>
           </a:p>
@@ -1827,7 +1827,7 @@
           <a:p>
             <a:fld id="{4476BBAF-3BF1-4078-A5DF-44D473DCBE61}" type="datetimeFigureOut">
               <a:rPr lang="he-IL" smtClean="0"/>
-              <a:t>ד'/אלול/תשפ"א</a:t>
+              <a:t>כ"ב/תשרי/תשפ"ב</a:t>
             </a:fld>
             <a:endParaRPr lang="he-IL"/>
           </a:p>
@@ -2104,7 +2104,7 @@
           <a:p>
             <a:fld id="{4476BBAF-3BF1-4078-A5DF-44D473DCBE61}" type="datetimeFigureOut">
               <a:rPr lang="he-IL" smtClean="0"/>
-              <a:t>ד'/אלול/תשפ"א</a:t>
+              <a:t>כ"ב/תשרי/תשפ"ב</a:t>
             </a:fld>
             <a:endParaRPr lang="he-IL"/>
           </a:p>
@@ -2357,7 +2357,7 @@
           <a:p>
             <a:fld id="{4476BBAF-3BF1-4078-A5DF-44D473DCBE61}" type="datetimeFigureOut">
               <a:rPr lang="he-IL" smtClean="0"/>
-              <a:t>ד'/אלול/תשפ"א</a:t>
+              <a:t>כ"ב/תשרי/תשפ"ב</a:t>
             </a:fld>
             <a:endParaRPr lang="he-IL"/>
           </a:p>
@@ -2570,7 +2570,7 @@
           <a:p>
             <a:fld id="{4476BBAF-3BF1-4078-A5DF-44D473DCBE61}" type="datetimeFigureOut">
               <a:rPr lang="he-IL" smtClean="0"/>
-              <a:t>ד'/אלול/תשפ"א</a:t>
+              <a:t>כ"ב/תשרי/תשפ"ב</a:t>
             </a:fld>
             <a:endParaRPr lang="he-IL"/>
           </a:p>
@@ -3046,7 +3046,7 @@
                 <a:latin typeface="David" panose="020E0502060401010101" pitchFamily="34" charset="-79"/>
                 <a:cs typeface="David" panose="020E0502060401010101" pitchFamily="34" charset="-79"/>
               </a:rPr>
-              <a:t>כעת תבצע מטלה נוספת.</a:t>
+              <a:t>כעת תבצעי מטלה נוספת.</a:t>
             </a:r>
           </a:p>
           <a:p>

--- a/Instructions_Pictures/Dichotic/Female/D1Binstructions (1).pptx
+++ b/Instructions_Pictures/Dichotic/Female/D1Binstructions (1).pptx
@@ -249,7 +249,7 @@
           <a:p>
             <a:fld id="{4476BBAF-3BF1-4078-A5DF-44D473DCBE61}" type="datetimeFigureOut">
               <a:rPr lang="he-IL" smtClean="0"/>
-              <a:t>כ"ב/תשרי/תשפ"ב</a:t>
+              <a:t>י"ב/אדר א/תשפ"ב</a:t>
             </a:fld>
             <a:endParaRPr lang="he-IL"/>
           </a:p>
@@ -419,7 +419,7 @@
           <a:p>
             <a:fld id="{4476BBAF-3BF1-4078-A5DF-44D473DCBE61}" type="datetimeFigureOut">
               <a:rPr lang="he-IL" smtClean="0"/>
-              <a:t>כ"ב/תשרי/תשפ"ב</a:t>
+              <a:t>י"ב/אדר א/תשפ"ב</a:t>
             </a:fld>
             <a:endParaRPr lang="he-IL"/>
           </a:p>
@@ -599,7 +599,7 @@
           <a:p>
             <a:fld id="{4476BBAF-3BF1-4078-A5DF-44D473DCBE61}" type="datetimeFigureOut">
               <a:rPr lang="he-IL" smtClean="0"/>
-              <a:t>כ"ב/תשרי/תשפ"ב</a:t>
+              <a:t>י"ב/אדר א/תשפ"ב</a:t>
             </a:fld>
             <a:endParaRPr lang="he-IL"/>
           </a:p>
@@ -769,7 +769,7 @@
           <a:p>
             <a:fld id="{4476BBAF-3BF1-4078-A5DF-44D473DCBE61}" type="datetimeFigureOut">
               <a:rPr lang="he-IL" smtClean="0"/>
-              <a:t>כ"ב/תשרי/תשפ"ב</a:t>
+              <a:t>י"ב/אדר א/תשפ"ב</a:t>
             </a:fld>
             <a:endParaRPr lang="he-IL"/>
           </a:p>
@@ -1015,7 +1015,7 @@
           <a:p>
             <a:fld id="{4476BBAF-3BF1-4078-A5DF-44D473DCBE61}" type="datetimeFigureOut">
               <a:rPr lang="he-IL" smtClean="0"/>
-              <a:t>כ"ב/תשרי/תשפ"ב</a:t>
+              <a:t>י"ב/אדר א/תשפ"ב</a:t>
             </a:fld>
             <a:endParaRPr lang="he-IL"/>
           </a:p>
@@ -1247,7 +1247,7 @@
           <a:p>
             <a:fld id="{4476BBAF-3BF1-4078-A5DF-44D473DCBE61}" type="datetimeFigureOut">
               <a:rPr lang="he-IL" smtClean="0"/>
-              <a:t>כ"ב/תשרי/תשפ"ב</a:t>
+              <a:t>י"ב/אדר א/תשפ"ב</a:t>
             </a:fld>
             <a:endParaRPr lang="he-IL"/>
           </a:p>
@@ -1614,7 +1614,7 @@
           <a:p>
             <a:fld id="{4476BBAF-3BF1-4078-A5DF-44D473DCBE61}" type="datetimeFigureOut">
               <a:rPr lang="he-IL" smtClean="0"/>
-              <a:t>כ"ב/תשרי/תשפ"ב</a:t>
+              <a:t>י"ב/אדר א/תשפ"ב</a:t>
             </a:fld>
             <a:endParaRPr lang="he-IL"/>
           </a:p>
@@ -1732,7 +1732,7 @@
           <a:p>
             <a:fld id="{4476BBAF-3BF1-4078-A5DF-44D473DCBE61}" type="datetimeFigureOut">
               <a:rPr lang="he-IL" smtClean="0"/>
-              <a:t>כ"ב/תשרי/תשפ"ב</a:t>
+              <a:t>י"ב/אדר א/תשפ"ב</a:t>
             </a:fld>
             <a:endParaRPr lang="he-IL"/>
           </a:p>
@@ -1827,7 +1827,7 @@
           <a:p>
             <a:fld id="{4476BBAF-3BF1-4078-A5DF-44D473DCBE61}" type="datetimeFigureOut">
               <a:rPr lang="he-IL" smtClean="0"/>
-              <a:t>כ"ב/תשרי/תשפ"ב</a:t>
+              <a:t>י"ב/אדר א/תשפ"ב</a:t>
             </a:fld>
             <a:endParaRPr lang="he-IL"/>
           </a:p>
@@ -2104,7 +2104,7 @@
           <a:p>
             <a:fld id="{4476BBAF-3BF1-4078-A5DF-44D473DCBE61}" type="datetimeFigureOut">
               <a:rPr lang="he-IL" smtClean="0"/>
-              <a:t>כ"ב/תשרי/תשפ"ב</a:t>
+              <a:t>י"ב/אדר א/תשפ"ב</a:t>
             </a:fld>
             <a:endParaRPr lang="he-IL"/>
           </a:p>
@@ -2357,7 +2357,7 @@
           <a:p>
             <a:fld id="{4476BBAF-3BF1-4078-A5DF-44D473DCBE61}" type="datetimeFigureOut">
               <a:rPr lang="he-IL" smtClean="0"/>
-              <a:t>כ"ב/תשרי/תשפ"ב</a:t>
+              <a:t>י"ב/אדר א/תשפ"ב</a:t>
             </a:fld>
             <a:endParaRPr lang="he-IL"/>
           </a:p>
@@ -2570,7 +2570,7 @@
           <a:p>
             <a:fld id="{4476BBAF-3BF1-4078-A5DF-44D473DCBE61}" type="datetimeFigureOut">
               <a:rPr lang="he-IL" smtClean="0"/>
-              <a:t>כ"ב/תשרי/תשפ"ב</a:t>
+              <a:t>י"ב/אדר א/תשפ"ב</a:t>
             </a:fld>
             <a:endParaRPr lang="he-IL"/>
           </a:p>
@@ -4170,7 +4170,7 @@
                 <a:latin typeface="David" panose="020E0502060401010101" pitchFamily="34" charset="-79"/>
                 <a:cs typeface="David" panose="020E0502060401010101" pitchFamily="34" charset="-79"/>
               </a:rPr>
-              <a:t>נתחיל באימון קצר. תחילה תשמעי רצף משפטים בכל בצד בנפרד.</a:t>
+              <a:t>נתחיל באימון קצר. תחילה תשמעי רצף משפטים בכל צד בנפרד.</a:t>
             </a:r>
           </a:p>
           <a:p>
@@ -4211,7 +4211,47 @@
                 <a:latin typeface="David" panose="020E0502060401010101" pitchFamily="34" charset="-79"/>
                 <a:cs typeface="David" panose="020E0502060401010101" pitchFamily="34" charset="-79"/>
               </a:rPr>
-              <a:t>לחצי על כפתור ימין או שמאל בהתאם לצד בו שמעת את המשפט שחזר על עצמו פעמיים ברצף</a:t>
+              <a:t>לחצי על הכפתור </a:t>
+            </a:r>
+            <a:r>
+              <a:rPr lang="en-GB" sz="2400" b="1" dirty="0">
+                <a:solidFill>
+                  <a:schemeClr val="tx1"/>
+                </a:solidFill>
+                <a:latin typeface="David" panose="020E0502060401010101" pitchFamily="34" charset="-79"/>
+                <a:cs typeface="David" panose="020E0502060401010101" pitchFamily="34" charset="-79"/>
+              </a:rPr>
+              <a:t>Shift</a:t>
+            </a:r>
+            <a:r>
+              <a:rPr lang="he-IL" sz="2400" b="1" dirty="0">
+                <a:solidFill>
+                  <a:schemeClr val="tx1"/>
+                </a:solidFill>
+                <a:latin typeface="David" panose="020E0502060401010101" pitchFamily="34" charset="-79"/>
+                <a:cs typeface="David" panose="020E0502060401010101" pitchFamily="34" charset="-79"/>
+              </a:rPr>
+              <a:t> ימין או </a:t>
+            </a:r>
+            <a:r>
+              <a:rPr lang="en-GB" sz="2400" b="1" dirty="0">
+                <a:solidFill>
+                  <a:schemeClr val="tx1"/>
+                </a:solidFill>
+                <a:latin typeface="David" panose="020E0502060401010101" pitchFamily="34" charset="-79"/>
+                <a:cs typeface="David" panose="020E0502060401010101" pitchFamily="34" charset="-79"/>
+              </a:rPr>
+              <a:t>Shift</a:t>
+            </a:r>
+            <a:r>
+              <a:rPr lang="he-IL" sz="2400" b="1" dirty="0">
+                <a:solidFill>
+                  <a:schemeClr val="tx1"/>
+                </a:solidFill>
+                <a:latin typeface="David" panose="020E0502060401010101" pitchFamily="34" charset="-79"/>
+                <a:cs typeface="David" panose="020E0502060401010101" pitchFamily="34" charset="-79"/>
+              </a:rPr>
+              <a:t> שמאל בהתאם לצד בו שמעת את המשפט שחזר על עצמו פעמיים ברצף</a:t>
             </a:r>
             <a:r>
               <a:rPr lang="he-IL" sz="2400" dirty="0">
@@ -4577,7 +4617,57 @@
                 <a:latin typeface="David" panose="020E0502060401010101" pitchFamily="34" charset="-79"/>
                 <a:cs typeface="David" panose="020E0502060401010101" pitchFamily="34" charset="-79"/>
               </a:rPr>
-              <a:t>לחצי על כפתור ימין או שמאל בהתאם לצד בו שמעת את המשפט שחזר על עצמו פעמיים ברצף</a:t>
+              <a:t>לחצי על הכפתור </a:t>
+            </a:r>
+            <a:r>
+              <a:rPr lang="en-GB" sz="2400" b="1" dirty="0">
+                <a:solidFill>
+                  <a:schemeClr val="tx1"/>
+                </a:solidFill>
+                <a:latin typeface="David" panose="020E0502060401010101" pitchFamily="34" charset="-79"/>
+                <a:cs typeface="David" panose="020E0502060401010101" pitchFamily="34" charset="-79"/>
+              </a:rPr>
+              <a:t>Shift</a:t>
+            </a:r>
+            <a:r>
+              <a:rPr lang="he-IL" sz="2400" b="1" dirty="0">
+                <a:solidFill>
+                  <a:schemeClr val="tx1"/>
+                </a:solidFill>
+                <a:latin typeface="David" panose="020E0502060401010101" pitchFamily="34" charset="-79"/>
+                <a:cs typeface="David" panose="020E0502060401010101" pitchFamily="34" charset="-79"/>
+              </a:rPr>
+              <a:t> ימין או </a:t>
+            </a:r>
+            <a:r>
+              <a:rPr lang="en-US" sz="2400" b="1" dirty="0">
+                <a:solidFill>
+                  <a:schemeClr val="tx1"/>
+                </a:solidFill>
+                <a:latin typeface="David" panose="020E0502060401010101" pitchFamily="34" charset="-79"/>
+                <a:cs typeface="David" panose="020E0502060401010101" pitchFamily="34" charset="-79"/>
+              </a:rPr>
+              <a:t>S</a:t>
+            </a:r>
+            <a:r>
+              <a:rPr lang="en-GB" sz="2400" b="1" dirty="0" err="1">
+                <a:solidFill>
+                  <a:schemeClr val="tx1"/>
+                </a:solidFill>
+                <a:latin typeface="David" panose="020E0502060401010101" pitchFamily="34" charset="-79"/>
+                <a:cs typeface="David" panose="020E0502060401010101" pitchFamily="34" charset="-79"/>
+              </a:rPr>
+              <a:t>hift</a:t>
+            </a:r>
+            <a:r>
+              <a:rPr lang="he-IL" sz="2400" b="1" dirty="0">
+                <a:solidFill>
+                  <a:schemeClr val="tx1"/>
+                </a:solidFill>
+                <a:latin typeface="David" panose="020E0502060401010101" pitchFamily="34" charset="-79"/>
+                <a:cs typeface="David" panose="020E0502060401010101" pitchFamily="34" charset="-79"/>
+              </a:rPr>
+              <a:t> שמאל בהתאם לצד בו שמעת את המשפט שחזר על עצמו פעמיים ברצף</a:t>
             </a:r>
             <a:r>
               <a:rPr lang="he-IL" sz="2400" dirty="0">
@@ -4589,20 +4679,6 @@
               </a:rPr>
               <a:t>.</a:t>
             </a:r>
-          </a:p>
-          <a:p>
-            <a:pPr algn="r" rtl="1">
-              <a:lnSpc>
-                <a:spcPct val="150000"/>
-              </a:lnSpc>
-            </a:pPr>
-            <a:endParaRPr lang="he-IL" sz="2400" dirty="0">
-              <a:solidFill>
-                <a:schemeClr val="tx1"/>
-              </a:solidFill>
-              <a:latin typeface="David" panose="020E0502060401010101" pitchFamily="34" charset="-79"/>
-              <a:cs typeface="David" panose="020E0502060401010101" pitchFamily="34" charset="-79"/>
-            </a:endParaRPr>
           </a:p>
           <a:p>
             <a:pPr algn="r" rtl="1">
@@ -4943,7 +5019,47 @@
                 <a:latin typeface="David" panose="020E0502060401010101" pitchFamily="34" charset="-79"/>
                 <a:cs typeface="David" panose="020E0502060401010101" pitchFamily="34" charset="-79"/>
               </a:rPr>
-              <a:t>לחצי על כפתור ימין או שמאל בהתאם לצד בו שמעת את המשפט שחזר על עצמו פעמיים ברצף</a:t>
+              <a:t>לחצי על הכפתור </a:t>
+            </a:r>
+            <a:r>
+              <a:rPr lang="en-GB" sz="2400" b="1" dirty="0">
+                <a:solidFill>
+                  <a:schemeClr val="tx1"/>
+                </a:solidFill>
+                <a:latin typeface="David" panose="020E0502060401010101" pitchFamily="34" charset="-79"/>
+                <a:cs typeface="David" panose="020E0502060401010101" pitchFamily="34" charset="-79"/>
+              </a:rPr>
+              <a:t>Shift</a:t>
+            </a:r>
+            <a:r>
+              <a:rPr lang="he-IL" sz="2400" b="1" dirty="0">
+                <a:solidFill>
+                  <a:schemeClr val="tx1"/>
+                </a:solidFill>
+                <a:latin typeface="David" panose="020E0502060401010101" pitchFamily="34" charset="-79"/>
+                <a:cs typeface="David" panose="020E0502060401010101" pitchFamily="34" charset="-79"/>
+              </a:rPr>
+              <a:t> ימין או </a:t>
+            </a:r>
+            <a:r>
+              <a:rPr lang="en-GB" sz="2400" b="1" dirty="0">
+                <a:solidFill>
+                  <a:schemeClr val="tx1"/>
+                </a:solidFill>
+                <a:latin typeface="David" panose="020E0502060401010101" pitchFamily="34" charset="-79"/>
+                <a:cs typeface="David" panose="020E0502060401010101" pitchFamily="34" charset="-79"/>
+              </a:rPr>
+              <a:t>Shift</a:t>
+            </a:r>
+            <a:r>
+              <a:rPr lang="he-IL" sz="2400" b="1" dirty="0">
+                <a:solidFill>
+                  <a:schemeClr val="tx1"/>
+                </a:solidFill>
+                <a:latin typeface="David" panose="020E0502060401010101" pitchFamily="34" charset="-79"/>
+                <a:cs typeface="David" panose="020E0502060401010101" pitchFamily="34" charset="-79"/>
+              </a:rPr>
+              <a:t> שמאל בהתאם לצד בו שמעת את המשפט שחזר על עצמו פעמיים ברצף</a:t>
             </a:r>
             <a:r>
               <a:rPr lang="he-IL" sz="2400" dirty="0">
